--- a/docs/songs/i reach up high.pptx
+++ b/docs/songs/i reach up high.pptx
@@ -308,7 +308,7 @@
             <a:fld id="{26EA1CF3-4A15-4CBF-9A5A-6A56C368BE71}" type="datetimeFigureOut">
               <a:rPr lang="en-GB" smtClean="0"/>
               <a:pPr/>
-              <a:t>03/10/2022</a:t>
+              <a:t>08/06/2024</a:t>
             </a:fld>
             <a:endParaRPr lang="en-GB"/>
           </a:p>
@@ -475,7 +475,7 @@
             <a:fld id="{26EA1CF3-4A15-4CBF-9A5A-6A56C368BE71}" type="datetimeFigureOut">
               <a:rPr lang="en-GB" smtClean="0"/>
               <a:pPr/>
-              <a:t>03/10/2022</a:t>
+              <a:t>08/06/2024</a:t>
             </a:fld>
             <a:endParaRPr lang="en-GB"/>
           </a:p>
@@ -652,7 +652,7 @@
             <a:fld id="{26EA1CF3-4A15-4CBF-9A5A-6A56C368BE71}" type="datetimeFigureOut">
               <a:rPr lang="en-GB" smtClean="0"/>
               <a:pPr/>
-              <a:t>03/10/2022</a:t>
+              <a:t>08/06/2024</a:t>
             </a:fld>
             <a:endParaRPr lang="en-GB"/>
           </a:p>
@@ -819,7 +819,7 @@
             <a:fld id="{26EA1CF3-4A15-4CBF-9A5A-6A56C368BE71}" type="datetimeFigureOut">
               <a:rPr lang="en-GB" smtClean="0"/>
               <a:pPr/>
-              <a:t>03/10/2022</a:t>
+              <a:t>08/06/2024</a:t>
             </a:fld>
             <a:endParaRPr lang="en-GB"/>
           </a:p>
@@ -1062,7 +1062,7 @@
             <a:fld id="{26EA1CF3-4A15-4CBF-9A5A-6A56C368BE71}" type="datetimeFigureOut">
               <a:rPr lang="en-GB" smtClean="0"/>
               <a:pPr/>
-              <a:t>03/10/2022</a:t>
+              <a:t>08/06/2024</a:t>
             </a:fld>
             <a:endParaRPr lang="en-GB"/>
           </a:p>
@@ -1347,7 +1347,7 @@
             <a:fld id="{26EA1CF3-4A15-4CBF-9A5A-6A56C368BE71}" type="datetimeFigureOut">
               <a:rPr lang="en-GB" smtClean="0"/>
               <a:pPr/>
-              <a:t>03/10/2022</a:t>
+              <a:t>08/06/2024</a:t>
             </a:fld>
             <a:endParaRPr lang="en-GB"/>
           </a:p>
@@ -1766,7 +1766,7 @@
             <a:fld id="{26EA1CF3-4A15-4CBF-9A5A-6A56C368BE71}" type="datetimeFigureOut">
               <a:rPr lang="en-GB" smtClean="0"/>
               <a:pPr/>
-              <a:t>03/10/2022</a:t>
+              <a:t>08/06/2024</a:t>
             </a:fld>
             <a:endParaRPr lang="en-GB"/>
           </a:p>
@@ -1881,7 +1881,7 @@
             <a:fld id="{26EA1CF3-4A15-4CBF-9A5A-6A56C368BE71}" type="datetimeFigureOut">
               <a:rPr lang="en-GB" smtClean="0"/>
               <a:pPr/>
-              <a:t>03/10/2022</a:t>
+              <a:t>08/06/2024</a:t>
             </a:fld>
             <a:endParaRPr lang="en-GB"/>
           </a:p>
@@ -1973,7 +1973,7 @@
             <a:fld id="{26EA1CF3-4A15-4CBF-9A5A-6A56C368BE71}" type="datetimeFigureOut">
               <a:rPr lang="en-GB" smtClean="0"/>
               <a:pPr/>
-              <a:t>03/10/2022</a:t>
+              <a:t>08/06/2024</a:t>
             </a:fld>
             <a:endParaRPr lang="en-GB"/>
           </a:p>
@@ -2247,7 +2247,7 @@
             <a:fld id="{26EA1CF3-4A15-4CBF-9A5A-6A56C368BE71}" type="datetimeFigureOut">
               <a:rPr lang="en-GB" smtClean="0"/>
               <a:pPr/>
-              <a:t>03/10/2022</a:t>
+              <a:t>08/06/2024</a:t>
             </a:fld>
             <a:endParaRPr lang="en-GB"/>
           </a:p>
@@ -2497,7 +2497,7 @@
             <a:fld id="{26EA1CF3-4A15-4CBF-9A5A-6A56C368BE71}" type="datetimeFigureOut">
               <a:rPr lang="en-GB" smtClean="0"/>
               <a:pPr/>
-              <a:t>03/10/2022</a:t>
+              <a:t>08/06/2024</a:t>
             </a:fld>
             <a:endParaRPr lang="en-GB"/>
           </a:p>
@@ -2710,7 +2710,7 @@
             <a:fld id="{26EA1CF3-4A15-4CBF-9A5A-6A56C368BE71}" type="datetimeFigureOut">
               <a:rPr lang="en-GB" smtClean="0"/>
               <a:pPr/>
-              <a:t>03/10/2022</a:t>
+              <a:t>08/06/2024</a:t>
             </a:fld>
             <a:endParaRPr lang="en-GB"/>
           </a:p>
@@ -3272,7 +3272,7 @@
         </p:nvSpPr>
         <p:spPr>
           <a:xfrm>
-            <a:off x="323528" y="188640"/>
+            <a:off x="251520" y="692696"/>
             <a:ext cx="8640960" cy="6480720"/>
           </a:xfrm>
         </p:spPr>
@@ -3282,8 +3282,13 @@
           </a:bodyPr>
           <a:lstStyle/>
           <a:p>
-            <a:r>
-              <a:rPr lang="en-GB" sz="4600" dirty="0">
+            <a:pPr>
+              <a:spcBef>
+                <a:spcPts val="0"/>
+              </a:spcBef>
+            </a:pPr>
+            <a:r>
+              <a:rPr lang="en-GB" sz="4400" dirty="0">
                 <a:solidFill>
                   <a:schemeClr val="bg1"/>
                 </a:solidFill>
@@ -3292,8 +3297,13 @@
             </a:r>
           </a:p>
           <a:p>
-            <a:r>
-              <a:rPr lang="en-GB" sz="4600" dirty="0">
+            <a:pPr>
+              <a:spcBef>
+                <a:spcPts val="0"/>
+              </a:spcBef>
+            </a:pPr>
+            <a:r>
+              <a:rPr lang="en-GB" sz="4400" dirty="0">
                 <a:solidFill>
                   <a:schemeClr val="bg1"/>
                 </a:solidFill>
@@ -3302,8 +3312,13 @@
             </a:r>
           </a:p>
           <a:p>
-            <a:r>
-              <a:rPr lang="en-GB" sz="4600" dirty="0">
+            <a:pPr>
+              <a:spcBef>
+                <a:spcPts val="0"/>
+              </a:spcBef>
+            </a:pPr>
+            <a:r>
+              <a:rPr lang="en-GB" sz="4400" dirty="0">
                 <a:solidFill>
                   <a:schemeClr val="bg1"/>
                 </a:solidFill>
@@ -3311,14 +3326,14 @@
               <a:t>I've got to (woo woo) </a:t>
             </a:r>
             <a:br>
-              <a:rPr lang="en-GB" sz="4600" dirty="0">
+              <a:rPr lang="en-GB" sz="4400" dirty="0">
                 <a:solidFill>
                   <a:schemeClr val="bg1"/>
                 </a:solidFill>
               </a:rPr>
             </a:br>
             <a:r>
-              <a:rPr lang="en-GB" sz="4600" dirty="0">
+              <a:rPr lang="en-GB" sz="4400" dirty="0">
                 <a:solidFill>
                   <a:schemeClr val="bg1"/>
                 </a:solidFill>
@@ -3327,8 +3342,13 @@
             </a:r>
           </a:p>
           <a:p>
-            <a:r>
-              <a:rPr lang="en-GB" sz="4600" dirty="0">
+            <a:pPr>
+              <a:spcBef>
+                <a:spcPts val="0"/>
+              </a:spcBef>
+            </a:pPr>
+            <a:r>
+              <a:rPr lang="en-GB" sz="4400" dirty="0">
                 <a:solidFill>
                   <a:schemeClr val="bg1"/>
                 </a:solidFill>
@@ -3337,8 +3357,13 @@
             </a:r>
           </a:p>
           <a:p>
-            <a:r>
-              <a:rPr lang="en-GB" sz="4600" dirty="0">
+            <a:pPr>
+              <a:spcBef>
+                <a:spcPts val="0"/>
+              </a:spcBef>
+            </a:pPr>
+            <a:r>
+              <a:rPr lang="en-GB" sz="4400" dirty="0">
                 <a:solidFill>
                   <a:schemeClr val="bg1"/>
                 </a:solidFill>
@@ -3347,8 +3372,13 @@
             </a:r>
           </a:p>
           <a:p>
-            <a:r>
-              <a:rPr lang="en-GB" sz="4600" dirty="0">
+            <a:pPr>
+              <a:spcBef>
+                <a:spcPts val="0"/>
+              </a:spcBef>
+            </a:pPr>
+            <a:r>
+              <a:rPr lang="en-GB" sz="4400" dirty="0">
                 <a:solidFill>
                   <a:schemeClr val="bg1"/>
                 </a:solidFill>
@@ -3357,8 +3387,13 @@
             </a:r>
           </a:p>
           <a:p>
-            <a:r>
-              <a:rPr lang="en-GB" sz="4600" dirty="0">
+            <a:pPr>
+              <a:spcBef>
+                <a:spcPts val="0"/>
+              </a:spcBef>
+            </a:pPr>
+            <a:r>
+              <a:rPr lang="en-GB" sz="4400" dirty="0">
                 <a:solidFill>
                   <a:schemeClr val="bg1"/>
                 </a:solidFill>
@@ -3443,7 +3478,7 @@
         </p:nvSpPr>
         <p:spPr>
           <a:xfrm>
-            <a:off x="323528" y="188640"/>
+            <a:off x="251520" y="692696"/>
             <a:ext cx="8640960" cy="6480720"/>
           </a:xfrm>
         </p:spPr>
@@ -3454,7 +3489,7 @@
           <a:lstStyle/>
           <a:p>
             <a:r>
-              <a:rPr lang="en-GB" sz="4800" dirty="0">
+              <a:rPr lang="en-GB" sz="4400" dirty="0">
                 <a:solidFill>
                   <a:schemeClr val="bg1"/>
                 </a:solidFill>
@@ -3464,7 +3499,7 @@
           </a:p>
           <a:p>
             <a:r>
-              <a:rPr lang="en-GB" sz="4800" dirty="0" err="1">
+              <a:rPr lang="en-GB" sz="4400" dirty="0" err="1">
                 <a:solidFill>
                   <a:schemeClr val="bg1"/>
                 </a:solidFill>
@@ -3472,7 +3507,7 @@
               <a:t>'Cause</a:t>
             </a:r>
             <a:r>
-              <a:rPr lang="en-GB" sz="4800" dirty="0">
+              <a:rPr lang="en-GB" sz="4400" dirty="0">
                 <a:solidFill>
                   <a:schemeClr val="bg1"/>
                 </a:solidFill>
@@ -3480,7 +3515,7 @@
               <a:t> He's done </a:t>
             </a:r>
             <a:r>
-              <a:rPr lang="en-GB" sz="4800" dirty="0" err="1">
+              <a:rPr lang="en-GB" sz="4400" dirty="0" err="1">
                 <a:solidFill>
                   <a:schemeClr val="bg1"/>
                 </a:solidFill>
@@ -3488,7 +3523,7 @@
               <a:t>ev'rything</a:t>
             </a:r>
             <a:r>
-              <a:rPr lang="en-GB" sz="4800" dirty="0">
+              <a:rPr lang="en-GB" sz="4400" dirty="0">
                 <a:solidFill>
                   <a:schemeClr val="bg1"/>
                 </a:solidFill>
@@ -3498,7 +3533,7 @@
           </a:p>
           <a:p>
             <a:r>
-              <a:rPr lang="en-GB" sz="4800" dirty="0">
+              <a:rPr lang="en-GB" sz="4400" dirty="0">
                 <a:solidFill>
                   <a:schemeClr val="bg1"/>
                 </a:solidFill>
@@ -3508,7 +3543,7 @@
           </a:p>
           <a:p>
             <a:r>
-              <a:rPr lang="en-GB" sz="4800" dirty="0">
+              <a:rPr lang="en-GB" sz="4400" dirty="0">
                 <a:solidFill>
                   <a:schemeClr val="bg1"/>
                 </a:solidFill>
@@ -3593,7 +3628,7 @@
         </p:nvSpPr>
         <p:spPr>
           <a:xfrm>
-            <a:off x="323528" y="188640"/>
+            <a:off x="395536" y="764704"/>
             <a:ext cx="8640960" cy="6480720"/>
           </a:xfrm>
         </p:spPr>
@@ -3604,7 +3639,7 @@
           <a:lstStyle/>
           <a:p>
             <a:r>
-              <a:rPr lang="en-GB" sz="4800" dirty="0">
+              <a:rPr lang="en-GB" sz="4400" dirty="0">
                 <a:solidFill>
                   <a:schemeClr val="bg1"/>
                 </a:solidFill>
@@ -3614,7 +3649,7 @@
           </a:p>
           <a:p>
             <a:r>
-              <a:rPr lang="en-GB" sz="4800" dirty="0">
+              <a:rPr lang="en-GB" sz="4400" dirty="0">
                 <a:solidFill>
                   <a:schemeClr val="bg1"/>
                 </a:solidFill>
@@ -3622,7 +3657,7 @@
               <a:t>To worship God in </a:t>
             </a:r>
             <a:r>
-              <a:rPr lang="en-GB" sz="4800" dirty="0" err="1">
+              <a:rPr lang="en-GB" sz="4400" dirty="0" err="1">
                 <a:solidFill>
                   <a:schemeClr val="bg1"/>
                 </a:solidFill>
@@ -3630,7 +3665,7 @@
               <a:t>ev'ry</a:t>
             </a:r>
             <a:r>
-              <a:rPr lang="en-GB" sz="4800" dirty="0">
+              <a:rPr lang="en-GB" sz="4400" dirty="0">
                 <a:solidFill>
                   <a:schemeClr val="bg1"/>
                 </a:solidFill>
@@ -3640,7 +3675,7 @@
           </a:p>
           <a:p>
             <a:r>
-              <a:rPr lang="en-GB" sz="4800" dirty="0">
+              <a:rPr lang="en-GB" sz="4400" dirty="0">
                 <a:solidFill>
                   <a:schemeClr val="bg1"/>
                 </a:solidFill>
@@ -3650,7 +3685,7 @@
           </a:p>
           <a:p>
             <a:r>
-              <a:rPr lang="en-GB" sz="4800" dirty="0">
+              <a:rPr lang="en-GB" sz="4400" dirty="0">
                 <a:solidFill>
                   <a:schemeClr val="bg1"/>
                 </a:solidFill>
@@ -3658,7 +3693,7 @@
               <a:t>I want my actions </a:t>
             </a:r>
             <a:r>
-              <a:rPr lang="en-GB" sz="4800" dirty="0" err="1">
+              <a:rPr lang="en-GB" sz="4400" dirty="0" err="1">
                 <a:solidFill>
                   <a:schemeClr val="bg1"/>
                 </a:solidFill>
@@ -3666,7 +3701,7 @@
               <a:t>ev'ry</a:t>
             </a:r>
             <a:r>
-              <a:rPr lang="en-GB" sz="4800" dirty="0">
+              <a:rPr lang="en-GB" sz="4400" dirty="0">
                 <a:solidFill>
                   <a:schemeClr val="bg1"/>
                 </a:solidFill>

--- a/docs/songs/i reach up high.pptx
+++ b/docs/songs/i reach up high.pptx
@@ -308,7 +308,7 @@
             <a:fld id="{26EA1CF3-4A15-4CBF-9A5A-6A56C368BE71}" type="datetimeFigureOut">
               <a:rPr lang="en-GB" smtClean="0"/>
               <a:pPr/>
-              <a:t>08/06/2024</a:t>
+              <a:t>13/10/2024</a:t>
             </a:fld>
             <a:endParaRPr lang="en-GB"/>
           </a:p>
@@ -475,7 +475,7 @@
             <a:fld id="{26EA1CF3-4A15-4CBF-9A5A-6A56C368BE71}" type="datetimeFigureOut">
               <a:rPr lang="en-GB" smtClean="0"/>
               <a:pPr/>
-              <a:t>08/06/2024</a:t>
+              <a:t>13/10/2024</a:t>
             </a:fld>
             <a:endParaRPr lang="en-GB"/>
           </a:p>
@@ -652,7 +652,7 @@
             <a:fld id="{26EA1CF3-4A15-4CBF-9A5A-6A56C368BE71}" type="datetimeFigureOut">
               <a:rPr lang="en-GB" smtClean="0"/>
               <a:pPr/>
-              <a:t>08/06/2024</a:t>
+              <a:t>13/10/2024</a:t>
             </a:fld>
             <a:endParaRPr lang="en-GB"/>
           </a:p>
@@ -819,7 +819,7 @@
             <a:fld id="{26EA1CF3-4A15-4CBF-9A5A-6A56C368BE71}" type="datetimeFigureOut">
               <a:rPr lang="en-GB" smtClean="0"/>
               <a:pPr/>
-              <a:t>08/06/2024</a:t>
+              <a:t>13/10/2024</a:t>
             </a:fld>
             <a:endParaRPr lang="en-GB"/>
           </a:p>
@@ -1062,7 +1062,7 @@
             <a:fld id="{26EA1CF3-4A15-4CBF-9A5A-6A56C368BE71}" type="datetimeFigureOut">
               <a:rPr lang="en-GB" smtClean="0"/>
               <a:pPr/>
-              <a:t>08/06/2024</a:t>
+              <a:t>13/10/2024</a:t>
             </a:fld>
             <a:endParaRPr lang="en-GB"/>
           </a:p>
@@ -1347,7 +1347,7 @@
             <a:fld id="{26EA1CF3-4A15-4CBF-9A5A-6A56C368BE71}" type="datetimeFigureOut">
               <a:rPr lang="en-GB" smtClean="0"/>
               <a:pPr/>
-              <a:t>08/06/2024</a:t>
+              <a:t>13/10/2024</a:t>
             </a:fld>
             <a:endParaRPr lang="en-GB"/>
           </a:p>
@@ -1766,7 +1766,7 @@
             <a:fld id="{26EA1CF3-4A15-4CBF-9A5A-6A56C368BE71}" type="datetimeFigureOut">
               <a:rPr lang="en-GB" smtClean="0"/>
               <a:pPr/>
-              <a:t>08/06/2024</a:t>
+              <a:t>13/10/2024</a:t>
             </a:fld>
             <a:endParaRPr lang="en-GB"/>
           </a:p>
@@ -1881,7 +1881,7 @@
             <a:fld id="{26EA1CF3-4A15-4CBF-9A5A-6A56C368BE71}" type="datetimeFigureOut">
               <a:rPr lang="en-GB" smtClean="0"/>
               <a:pPr/>
-              <a:t>08/06/2024</a:t>
+              <a:t>13/10/2024</a:t>
             </a:fld>
             <a:endParaRPr lang="en-GB"/>
           </a:p>
@@ -1973,7 +1973,7 @@
             <a:fld id="{26EA1CF3-4A15-4CBF-9A5A-6A56C368BE71}" type="datetimeFigureOut">
               <a:rPr lang="en-GB" smtClean="0"/>
               <a:pPr/>
-              <a:t>08/06/2024</a:t>
+              <a:t>13/10/2024</a:t>
             </a:fld>
             <a:endParaRPr lang="en-GB"/>
           </a:p>
@@ -2247,7 +2247,7 @@
             <a:fld id="{26EA1CF3-4A15-4CBF-9A5A-6A56C368BE71}" type="datetimeFigureOut">
               <a:rPr lang="en-GB" smtClean="0"/>
               <a:pPr/>
-              <a:t>08/06/2024</a:t>
+              <a:t>13/10/2024</a:t>
             </a:fld>
             <a:endParaRPr lang="en-GB"/>
           </a:p>
@@ -2497,7 +2497,7 @@
             <a:fld id="{26EA1CF3-4A15-4CBF-9A5A-6A56C368BE71}" type="datetimeFigureOut">
               <a:rPr lang="en-GB" smtClean="0"/>
               <a:pPr/>
-              <a:t>08/06/2024</a:t>
+              <a:t>13/10/2024</a:t>
             </a:fld>
             <a:endParaRPr lang="en-GB"/>
           </a:p>
@@ -2710,7 +2710,7 @@
             <a:fld id="{26EA1CF3-4A15-4CBF-9A5A-6A56C368BE71}" type="datetimeFigureOut">
               <a:rPr lang="en-GB" smtClean="0"/>
               <a:pPr/>
-              <a:t>08/06/2024</a:t>
+              <a:t>13/10/2024</a:t>
             </a:fld>
             <a:endParaRPr lang="en-GB"/>
           </a:p>
@@ -3288,7 +3288,7 @@
               </a:spcBef>
             </a:pPr>
             <a:r>
-              <a:rPr lang="en-GB" sz="4400" dirty="0">
+              <a:rPr lang="en-GB" sz="3600" dirty="0">
                 <a:solidFill>
                   <a:schemeClr val="bg1"/>
                 </a:solidFill>
@@ -3303,7 +3303,7 @@
               </a:spcBef>
             </a:pPr>
             <a:r>
-              <a:rPr lang="en-GB" sz="4400" dirty="0">
+              <a:rPr lang="en-GB" sz="3600" dirty="0">
                 <a:solidFill>
                   <a:schemeClr val="bg1"/>
                 </a:solidFill>
@@ -3318,7 +3318,7 @@
               </a:spcBef>
             </a:pPr>
             <a:r>
-              <a:rPr lang="en-GB" sz="4400" dirty="0">
+              <a:rPr lang="en-GB" sz="3600" dirty="0">
                 <a:solidFill>
                   <a:schemeClr val="bg1"/>
                 </a:solidFill>
@@ -3326,14 +3326,14 @@
               <a:t>I've got to (woo woo) </a:t>
             </a:r>
             <a:br>
-              <a:rPr lang="en-GB" sz="4400" dirty="0">
+              <a:rPr lang="en-GB" sz="3600" dirty="0">
                 <a:solidFill>
                   <a:schemeClr val="bg1"/>
                 </a:solidFill>
               </a:rPr>
             </a:br>
             <a:r>
-              <a:rPr lang="en-GB" sz="4400" dirty="0">
+              <a:rPr lang="en-GB" sz="3600" dirty="0">
                 <a:solidFill>
                   <a:schemeClr val="bg1"/>
                 </a:solidFill>
@@ -3348,7 +3348,7 @@
               </a:spcBef>
             </a:pPr>
             <a:r>
-              <a:rPr lang="en-GB" sz="4400" dirty="0">
+              <a:rPr lang="en-GB" sz="3600" dirty="0">
                 <a:solidFill>
                   <a:schemeClr val="bg1"/>
                 </a:solidFill>
@@ -3363,7 +3363,7 @@
               </a:spcBef>
             </a:pPr>
             <a:r>
-              <a:rPr lang="en-GB" sz="4400" dirty="0">
+              <a:rPr lang="en-GB" sz="3600" dirty="0">
                 <a:solidFill>
                   <a:schemeClr val="bg1"/>
                 </a:solidFill>
@@ -3378,7 +3378,7 @@
               </a:spcBef>
             </a:pPr>
             <a:r>
-              <a:rPr lang="en-GB" sz="4400" dirty="0">
+              <a:rPr lang="en-GB" sz="3600" dirty="0">
                 <a:solidFill>
                   <a:schemeClr val="bg1"/>
                 </a:solidFill>
@@ -3393,7 +3393,7 @@
               </a:spcBef>
             </a:pPr>
             <a:r>
-              <a:rPr lang="en-GB" sz="4400" dirty="0">
+              <a:rPr lang="en-GB" sz="3600" dirty="0">
                 <a:solidFill>
                   <a:schemeClr val="bg1"/>
                 </a:solidFill>
@@ -3489,7 +3489,7 @@
           <a:lstStyle/>
           <a:p>
             <a:r>
-              <a:rPr lang="en-GB" sz="4400" dirty="0">
+              <a:rPr lang="en-GB" sz="3600" dirty="0">
                 <a:solidFill>
                   <a:schemeClr val="bg1"/>
                 </a:solidFill>
@@ -3499,7 +3499,7 @@
           </a:p>
           <a:p>
             <a:r>
-              <a:rPr lang="en-GB" sz="4400" dirty="0" err="1">
+              <a:rPr lang="en-GB" sz="3600" dirty="0" err="1">
                 <a:solidFill>
                   <a:schemeClr val="bg1"/>
                 </a:solidFill>
@@ -3507,7 +3507,7 @@
               <a:t>'Cause</a:t>
             </a:r>
             <a:r>
-              <a:rPr lang="en-GB" sz="4400" dirty="0">
+              <a:rPr lang="en-GB" sz="3600" dirty="0">
                 <a:solidFill>
                   <a:schemeClr val="bg1"/>
                 </a:solidFill>
@@ -3515,7 +3515,7 @@
               <a:t> He's done </a:t>
             </a:r>
             <a:r>
-              <a:rPr lang="en-GB" sz="4400" dirty="0" err="1">
+              <a:rPr lang="en-GB" sz="3600" dirty="0" err="1">
                 <a:solidFill>
                   <a:schemeClr val="bg1"/>
                 </a:solidFill>
@@ -3523,7 +3523,7 @@
               <a:t>ev'rything</a:t>
             </a:r>
             <a:r>
-              <a:rPr lang="en-GB" sz="4400" dirty="0">
+              <a:rPr lang="en-GB" sz="3600" dirty="0">
                 <a:solidFill>
                   <a:schemeClr val="bg1"/>
                 </a:solidFill>
@@ -3533,7 +3533,7 @@
           </a:p>
           <a:p>
             <a:r>
-              <a:rPr lang="en-GB" sz="4400" dirty="0">
+              <a:rPr lang="en-GB" sz="3600" dirty="0">
                 <a:solidFill>
                   <a:schemeClr val="bg1"/>
                 </a:solidFill>
@@ -3543,7 +3543,7 @@
           </a:p>
           <a:p>
             <a:r>
-              <a:rPr lang="en-GB" sz="4400" dirty="0">
+              <a:rPr lang="en-GB" sz="3600" dirty="0">
                 <a:solidFill>
                   <a:schemeClr val="bg1"/>
                 </a:solidFill>
@@ -3639,7 +3639,7 @@
           <a:lstStyle/>
           <a:p>
             <a:r>
-              <a:rPr lang="en-GB" sz="4400" dirty="0">
+              <a:rPr lang="en-GB" sz="3600" dirty="0">
                 <a:solidFill>
                   <a:schemeClr val="bg1"/>
                 </a:solidFill>
@@ -3649,7 +3649,7 @@
           </a:p>
           <a:p>
             <a:r>
-              <a:rPr lang="en-GB" sz="4400" dirty="0">
+              <a:rPr lang="en-GB" sz="3600" dirty="0">
                 <a:solidFill>
                   <a:schemeClr val="bg1"/>
                 </a:solidFill>
@@ -3657,7 +3657,7 @@
               <a:t>To worship God in </a:t>
             </a:r>
             <a:r>
-              <a:rPr lang="en-GB" sz="4400" dirty="0" err="1">
+              <a:rPr lang="en-GB" sz="3600" dirty="0" err="1">
                 <a:solidFill>
                   <a:schemeClr val="bg1"/>
                 </a:solidFill>
@@ -3665,7 +3665,7 @@
               <a:t>ev'ry</a:t>
             </a:r>
             <a:r>
-              <a:rPr lang="en-GB" sz="4400" dirty="0">
+              <a:rPr lang="en-GB" sz="3600" dirty="0">
                 <a:solidFill>
                   <a:schemeClr val="bg1"/>
                 </a:solidFill>
@@ -3675,7 +3675,7 @@
           </a:p>
           <a:p>
             <a:r>
-              <a:rPr lang="en-GB" sz="4400" dirty="0">
+              <a:rPr lang="en-GB" sz="3600" dirty="0">
                 <a:solidFill>
                   <a:schemeClr val="bg1"/>
                 </a:solidFill>
@@ -3685,7 +3685,7 @@
           </a:p>
           <a:p>
             <a:r>
-              <a:rPr lang="en-GB" sz="4400" dirty="0">
+              <a:rPr lang="en-GB" sz="3600" dirty="0">
                 <a:solidFill>
                   <a:schemeClr val="bg1"/>
                 </a:solidFill>
@@ -3693,7 +3693,7 @@
               <a:t>I want my actions </a:t>
             </a:r>
             <a:r>
-              <a:rPr lang="en-GB" sz="4400" dirty="0" err="1">
+              <a:rPr lang="en-GB" sz="3600" dirty="0" err="1">
                 <a:solidFill>
                   <a:schemeClr val="bg1"/>
                 </a:solidFill>
@@ -3701,7 +3701,7 @@
               <a:t>ev'ry</a:t>
             </a:r>
             <a:r>
-              <a:rPr lang="en-GB" sz="4400" dirty="0">
+              <a:rPr lang="en-GB" sz="3600" dirty="0">
                 <a:solidFill>
                   <a:schemeClr val="bg1"/>
                 </a:solidFill>
